--- a/12-mysql/3-saturday-big-data-mysql/big-data/lecture.pptx
+++ b/12-mysql/3-saturday-big-data-mysql/big-data/lecture.pptx
@@ -324,7 +324,7 @@
               <a:pPr>
                 <a:defRPr/>
               </a:pPr>
-              <a:t>2/10/2020</a:t>
+              <a:t>2/14/20</a:t>
             </a:fld>
             <a:endParaRPr lang="en-US" dirty="0"/>
           </a:p>
@@ -548,7 +548,7 @@
               <a:pPr>
                 <a:defRPr/>
               </a:pPr>
-              <a:t>2/10/2020</a:t>
+              <a:t>2/14/20</a:t>
             </a:fld>
             <a:endParaRPr lang="en-US" dirty="0"/>
           </a:p>
@@ -915,14 +915,14 @@
           </a:ln>
           <a:extLst>
             <a:ext uri="{909E8E84-426E-40dd-AFC4-6F175D3DCCD1}">
-              <a14:hiddenFill xmlns="" xmlns:a14="http://schemas.microsoft.com/office/drawing/2010/main">
+              <a14:hiddenFill xmlns:a14="http://schemas.microsoft.com/office/drawing/2010/main" xmlns="">
                 <a:solidFill>
                   <a:srgbClr val="FFFFFF"/>
                 </a:solidFill>
               </a14:hiddenFill>
             </a:ext>
             <a:ext uri="{FAA26D3D-D897-4be2-8F04-BA451C77F1D7}">
-              <ma14:placeholderFlag xmlns="" xmlns:ma14="http://schemas.microsoft.com/office/mac/drawingml/2011/main" val="1"/>
+              <ma14:placeholderFlag xmlns:ma14="http://schemas.microsoft.com/office/mac/drawingml/2011/main" xmlns="" val="1"/>
             </a:ext>
           </a:extLst>
         </p:spPr>
@@ -941,14 +941,14 @@
           <a:noFill/>
           <a:extLst>
             <a:ext uri="{909E8E84-426E-40dd-AFC4-6F175D3DCCD1}">
-              <a14:hiddenFill xmlns="" xmlns:a14="http://schemas.microsoft.com/office/drawing/2010/main">
+              <a14:hiddenFill xmlns:a14="http://schemas.microsoft.com/office/drawing/2010/main" xmlns="">
                 <a:solidFill>
                   <a:srgbClr val="FFFFFF"/>
                 </a:solidFill>
               </a14:hiddenFill>
             </a:ext>
             <a:ext uri="{91240B29-F687-4f45-9708-019B960494DF}">
-              <a14:hiddenLine xmlns="" xmlns:a14="http://schemas.microsoft.com/office/drawing/2010/main" w="9525">
+              <a14:hiddenLine xmlns:a14="http://schemas.microsoft.com/office/drawing/2010/main" xmlns="" w="9525">
                 <a:solidFill>
                   <a:srgbClr val="000000"/>
                 </a:solidFill>
@@ -1028,14 +1028,14 @@
           </a:ln>
           <a:extLst>
             <a:ext uri="{909E8E84-426E-40dd-AFC4-6F175D3DCCD1}">
-              <a14:hiddenFill xmlns="" xmlns:a14="http://schemas.microsoft.com/office/drawing/2010/main">
+              <a14:hiddenFill xmlns:a14="http://schemas.microsoft.com/office/drawing/2010/main" xmlns="">
                 <a:solidFill>
                   <a:srgbClr val="FFFFFF"/>
                 </a:solidFill>
               </a14:hiddenFill>
             </a:ext>
             <a:ext uri="{FAA26D3D-D897-4be2-8F04-BA451C77F1D7}">
-              <ma14:placeholderFlag xmlns="" xmlns:ma14="http://schemas.microsoft.com/office/mac/drawingml/2011/main" val="1"/>
+              <ma14:placeholderFlag xmlns:ma14="http://schemas.microsoft.com/office/mac/drawingml/2011/main" xmlns="" val="1"/>
             </a:ext>
           </a:extLst>
         </p:spPr>
@@ -1054,14 +1054,14 @@
           <a:noFill/>
           <a:extLst>
             <a:ext uri="{909E8E84-426E-40dd-AFC4-6F175D3DCCD1}">
-              <a14:hiddenFill xmlns="" xmlns:a14="http://schemas.microsoft.com/office/drawing/2010/main">
+              <a14:hiddenFill xmlns:a14="http://schemas.microsoft.com/office/drawing/2010/main" xmlns="">
                 <a:solidFill>
                   <a:srgbClr val="FFFFFF"/>
                 </a:solidFill>
               </a14:hiddenFill>
             </a:ext>
             <a:ext uri="{91240B29-F687-4f45-9708-019B960494DF}">
-              <a14:hiddenLine xmlns="" xmlns:a14="http://schemas.microsoft.com/office/drawing/2010/main" w="9525">
+              <a14:hiddenLine xmlns:a14="http://schemas.microsoft.com/office/drawing/2010/main" xmlns="" w="9525">
                 <a:solidFill>
                   <a:srgbClr val="000000"/>
                 </a:solidFill>
@@ -1210,14 +1210,14 @@
           </a:ln>
           <a:extLst>
             <a:ext uri="{909E8E84-426E-40dd-AFC4-6F175D3DCCD1}">
-              <a14:hiddenFill xmlns="" xmlns:a14="http://schemas.microsoft.com/office/drawing/2010/main">
+              <a14:hiddenFill xmlns:a14="http://schemas.microsoft.com/office/drawing/2010/main" xmlns="">
                 <a:solidFill>
                   <a:srgbClr val="FFFFFF"/>
                 </a:solidFill>
               </a14:hiddenFill>
             </a:ext>
             <a:ext uri="{FAA26D3D-D897-4be2-8F04-BA451C77F1D7}">
-              <ma14:placeholderFlag xmlns="" xmlns:ma14="http://schemas.microsoft.com/office/mac/drawingml/2011/main" val="1"/>
+              <ma14:placeholderFlag xmlns:ma14="http://schemas.microsoft.com/office/mac/drawingml/2011/main" xmlns="" val="1"/>
             </a:ext>
           </a:extLst>
         </p:spPr>
@@ -1236,14 +1236,14 @@
           <a:noFill/>
           <a:extLst>
             <a:ext uri="{909E8E84-426E-40dd-AFC4-6F175D3DCCD1}">
-              <a14:hiddenFill xmlns="" xmlns:a14="http://schemas.microsoft.com/office/drawing/2010/main">
+              <a14:hiddenFill xmlns:a14="http://schemas.microsoft.com/office/drawing/2010/main" xmlns="">
                 <a:solidFill>
                   <a:srgbClr val="FFFFFF"/>
                 </a:solidFill>
               </a14:hiddenFill>
             </a:ext>
             <a:ext uri="{91240B29-F687-4f45-9708-019B960494DF}">
-              <a14:hiddenLine xmlns="" xmlns:a14="http://schemas.microsoft.com/office/drawing/2010/main" w="9525">
+              <a14:hiddenLine xmlns:a14="http://schemas.microsoft.com/office/drawing/2010/main" xmlns="" w="9525">
                 <a:solidFill>
                   <a:srgbClr val="000000"/>
                 </a:solidFill>
@@ -1328,14 +1328,14 @@
           </a:ln>
           <a:extLst>
             <a:ext uri="{909E8E84-426E-40dd-AFC4-6F175D3DCCD1}">
-              <a14:hiddenFill xmlns="" xmlns:a14="http://schemas.microsoft.com/office/drawing/2010/main">
+              <a14:hiddenFill xmlns:a14="http://schemas.microsoft.com/office/drawing/2010/main" xmlns="">
                 <a:solidFill>
                   <a:srgbClr val="FFFFFF"/>
                 </a:solidFill>
               </a14:hiddenFill>
             </a:ext>
             <a:ext uri="{FAA26D3D-D897-4be2-8F04-BA451C77F1D7}">
-              <ma14:placeholderFlag xmlns="" xmlns:ma14="http://schemas.microsoft.com/office/mac/drawingml/2011/main" val="1"/>
+              <ma14:placeholderFlag xmlns:ma14="http://schemas.microsoft.com/office/mac/drawingml/2011/main" xmlns="" val="1"/>
             </a:ext>
           </a:extLst>
         </p:spPr>
@@ -1354,14 +1354,14 @@
           <a:noFill/>
           <a:extLst>
             <a:ext uri="{909E8E84-426E-40dd-AFC4-6F175D3DCCD1}">
-              <a14:hiddenFill xmlns="" xmlns:a14="http://schemas.microsoft.com/office/drawing/2010/main">
+              <a14:hiddenFill xmlns:a14="http://schemas.microsoft.com/office/drawing/2010/main" xmlns="">
                 <a:solidFill>
                   <a:srgbClr val="FFFFFF"/>
                 </a:solidFill>
               </a14:hiddenFill>
             </a:ext>
             <a:ext uri="{91240B29-F687-4f45-9708-019B960494DF}">
-              <a14:hiddenLine xmlns="" xmlns:a14="http://schemas.microsoft.com/office/drawing/2010/main" w="9525">
+              <a14:hiddenLine xmlns:a14="http://schemas.microsoft.com/office/drawing/2010/main" xmlns="" w="9525">
                 <a:solidFill>
                   <a:srgbClr val="000000"/>
                 </a:solidFill>
@@ -1449,14 +1449,14 @@
           </a:ln>
           <a:extLst>
             <a:ext uri="{909E8E84-426E-40dd-AFC4-6F175D3DCCD1}">
-              <a14:hiddenFill xmlns="" xmlns:a14="http://schemas.microsoft.com/office/drawing/2010/main">
+              <a14:hiddenFill xmlns:a14="http://schemas.microsoft.com/office/drawing/2010/main" xmlns="">
                 <a:solidFill>
                   <a:srgbClr val="FFFFFF"/>
                 </a:solidFill>
               </a14:hiddenFill>
             </a:ext>
             <a:ext uri="{FAA26D3D-D897-4be2-8F04-BA451C77F1D7}">
-              <ma14:placeholderFlag xmlns="" xmlns:ma14="http://schemas.microsoft.com/office/mac/drawingml/2011/main" val="1"/>
+              <ma14:placeholderFlag xmlns:ma14="http://schemas.microsoft.com/office/mac/drawingml/2011/main" xmlns="" val="1"/>
             </a:ext>
           </a:extLst>
         </p:spPr>
@@ -1475,14 +1475,14 @@
           <a:noFill/>
           <a:extLst>
             <a:ext uri="{909E8E84-426E-40dd-AFC4-6F175D3DCCD1}">
-              <a14:hiddenFill xmlns="" xmlns:a14="http://schemas.microsoft.com/office/drawing/2010/main">
+              <a14:hiddenFill xmlns:a14="http://schemas.microsoft.com/office/drawing/2010/main" xmlns="">
                 <a:solidFill>
                   <a:srgbClr val="FFFFFF"/>
                 </a:solidFill>
               </a14:hiddenFill>
             </a:ext>
             <a:ext uri="{91240B29-F687-4f45-9708-019B960494DF}">
-              <a14:hiddenLine xmlns="" xmlns:a14="http://schemas.microsoft.com/office/drawing/2010/main" w="9525">
+              <a14:hiddenLine xmlns:a14="http://schemas.microsoft.com/office/drawing/2010/main" xmlns="" w="9525">
                 <a:solidFill>
                   <a:srgbClr val="000000"/>
                 </a:solidFill>
@@ -1570,14 +1570,14 @@
           </a:ln>
           <a:extLst>
             <a:ext uri="{909E8E84-426E-40dd-AFC4-6F175D3DCCD1}">
-              <a14:hiddenFill xmlns="" xmlns:a14="http://schemas.microsoft.com/office/drawing/2010/main">
+              <a14:hiddenFill xmlns:a14="http://schemas.microsoft.com/office/drawing/2010/main" xmlns="">
                 <a:solidFill>
                   <a:srgbClr val="FFFFFF"/>
                 </a:solidFill>
               </a14:hiddenFill>
             </a:ext>
             <a:ext uri="{FAA26D3D-D897-4be2-8F04-BA451C77F1D7}">
-              <ma14:placeholderFlag xmlns="" xmlns:ma14="http://schemas.microsoft.com/office/mac/drawingml/2011/main" val="1"/>
+              <ma14:placeholderFlag xmlns:ma14="http://schemas.microsoft.com/office/mac/drawingml/2011/main" xmlns="" val="1"/>
             </a:ext>
           </a:extLst>
         </p:spPr>
@@ -1596,14 +1596,14 @@
           <a:noFill/>
           <a:extLst>
             <a:ext uri="{909E8E84-426E-40dd-AFC4-6F175D3DCCD1}">
-              <a14:hiddenFill xmlns="" xmlns:a14="http://schemas.microsoft.com/office/drawing/2010/main">
+              <a14:hiddenFill xmlns:a14="http://schemas.microsoft.com/office/drawing/2010/main" xmlns="">
                 <a:solidFill>
                   <a:srgbClr val="FFFFFF"/>
                 </a:solidFill>
               </a14:hiddenFill>
             </a:ext>
             <a:ext uri="{91240B29-F687-4f45-9708-019B960494DF}">
-              <a14:hiddenLine xmlns="" xmlns:a14="http://schemas.microsoft.com/office/drawing/2010/main" w="9525">
+              <a14:hiddenLine xmlns:a14="http://schemas.microsoft.com/office/drawing/2010/main" xmlns="" w="9525">
                 <a:solidFill>
                   <a:srgbClr val="000000"/>
                 </a:solidFill>
@@ -1691,14 +1691,14 @@
           </a:ln>
           <a:extLst>
             <a:ext uri="{909E8E84-426E-40dd-AFC4-6F175D3DCCD1}">
-              <a14:hiddenFill xmlns="" xmlns:a14="http://schemas.microsoft.com/office/drawing/2010/main">
+              <a14:hiddenFill xmlns:a14="http://schemas.microsoft.com/office/drawing/2010/main" xmlns="">
                 <a:solidFill>
                   <a:srgbClr val="FFFFFF"/>
                 </a:solidFill>
               </a14:hiddenFill>
             </a:ext>
             <a:ext uri="{FAA26D3D-D897-4be2-8F04-BA451C77F1D7}">
-              <ma14:placeholderFlag xmlns="" xmlns:ma14="http://schemas.microsoft.com/office/mac/drawingml/2011/main" val="1"/>
+              <ma14:placeholderFlag xmlns:ma14="http://schemas.microsoft.com/office/mac/drawingml/2011/main" xmlns="" val="1"/>
             </a:ext>
           </a:extLst>
         </p:spPr>
@@ -1717,14 +1717,14 @@
           <a:noFill/>
           <a:extLst>
             <a:ext uri="{909E8E84-426E-40dd-AFC4-6F175D3DCCD1}">
-              <a14:hiddenFill xmlns="" xmlns:a14="http://schemas.microsoft.com/office/drawing/2010/main">
+              <a14:hiddenFill xmlns:a14="http://schemas.microsoft.com/office/drawing/2010/main" xmlns="">
                 <a:solidFill>
                   <a:srgbClr val="FFFFFF"/>
                 </a:solidFill>
               </a14:hiddenFill>
             </a:ext>
             <a:ext uri="{91240B29-F687-4f45-9708-019B960494DF}">
-              <a14:hiddenLine xmlns="" xmlns:a14="http://schemas.microsoft.com/office/drawing/2010/main" w="9525">
+              <a14:hiddenLine xmlns:a14="http://schemas.microsoft.com/office/drawing/2010/main" xmlns="" w="9525">
                 <a:solidFill>
                   <a:srgbClr val="000000"/>
                 </a:solidFill>
@@ -1812,14 +1812,14 @@
           </a:ln>
           <a:extLst>
             <a:ext uri="{909E8E84-426E-40dd-AFC4-6F175D3DCCD1}">
-              <a14:hiddenFill xmlns="" xmlns:a14="http://schemas.microsoft.com/office/drawing/2010/main">
+              <a14:hiddenFill xmlns:a14="http://schemas.microsoft.com/office/drawing/2010/main" xmlns="">
                 <a:solidFill>
                   <a:srgbClr val="FFFFFF"/>
                 </a:solidFill>
               </a14:hiddenFill>
             </a:ext>
             <a:ext uri="{FAA26D3D-D897-4be2-8F04-BA451C77F1D7}">
-              <ma14:placeholderFlag xmlns="" xmlns:ma14="http://schemas.microsoft.com/office/mac/drawingml/2011/main" val="1"/>
+              <ma14:placeholderFlag xmlns:ma14="http://schemas.microsoft.com/office/mac/drawingml/2011/main" xmlns="" val="1"/>
             </a:ext>
           </a:extLst>
         </p:spPr>
@@ -1838,14 +1838,14 @@
           <a:noFill/>
           <a:extLst>
             <a:ext uri="{909E8E84-426E-40dd-AFC4-6F175D3DCCD1}">
-              <a14:hiddenFill xmlns="" xmlns:a14="http://schemas.microsoft.com/office/drawing/2010/main">
+              <a14:hiddenFill xmlns:a14="http://schemas.microsoft.com/office/drawing/2010/main" xmlns="">
                 <a:solidFill>
                   <a:srgbClr val="FFFFFF"/>
                 </a:solidFill>
               </a14:hiddenFill>
             </a:ext>
             <a:ext uri="{91240B29-F687-4f45-9708-019B960494DF}">
-              <a14:hiddenLine xmlns="" xmlns:a14="http://schemas.microsoft.com/office/drawing/2010/main" w="9525">
+              <a14:hiddenLine xmlns:a14="http://schemas.microsoft.com/office/drawing/2010/main" xmlns="" w="9525">
                 <a:solidFill>
                   <a:srgbClr val="000000"/>
                 </a:solidFill>
@@ -1933,14 +1933,14 @@
           </a:ln>
           <a:extLst>
             <a:ext uri="{909E8E84-426E-40dd-AFC4-6F175D3DCCD1}">
-              <a14:hiddenFill xmlns="" xmlns:a14="http://schemas.microsoft.com/office/drawing/2010/main">
+              <a14:hiddenFill xmlns:a14="http://schemas.microsoft.com/office/drawing/2010/main" xmlns="">
                 <a:solidFill>
                   <a:srgbClr val="FFFFFF"/>
                 </a:solidFill>
               </a14:hiddenFill>
             </a:ext>
             <a:ext uri="{FAA26D3D-D897-4be2-8F04-BA451C77F1D7}">
-              <ma14:placeholderFlag xmlns="" xmlns:ma14="http://schemas.microsoft.com/office/mac/drawingml/2011/main" val="1"/>
+              <ma14:placeholderFlag xmlns:ma14="http://schemas.microsoft.com/office/mac/drawingml/2011/main" xmlns="" val="1"/>
             </a:ext>
           </a:extLst>
         </p:spPr>
@@ -1959,14 +1959,14 @@
           <a:noFill/>
           <a:extLst>
             <a:ext uri="{909E8E84-426E-40dd-AFC4-6F175D3DCCD1}">
-              <a14:hiddenFill xmlns="" xmlns:a14="http://schemas.microsoft.com/office/drawing/2010/main">
+              <a14:hiddenFill xmlns:a14="http://schemas.microsoft.com/office/drawing/2010/main" xmlns="">
                 <a:solidFill>
                   <a:srgbClr val="FFFFFF"/>
                 </a:solidFill>
               </a14:hiddenFill>
             </a:ext>
             <a:ext uri="{91240B29-F687-4f45-9708-019B960494DF}">
-              <a14:hiddenLine xmlns="" xmlns:a14="http://schemas.microsoft.com/office/drawing/2010/main" w="9525">
+              <a14:hiddenLine xmlns:a14="http://schemas.microsoft.com/office/drawing/2010/main" xmlns="" w="9525">
                 <a:solidFill>
                   <a:srgbClr val="000000"/>
                 </a:solidFill>
@@ -2115,14 +2115,14 @@
           </a:ln>
           <a:extLst>
             <a:ext uri="{909E8E84-426E-40dd-AFC4-6F175D3DCCD1}">
-              <a14:hiddenFill xmlns="" xmlns:a14="http://schemas.microsoft.com/office/drawing/2010/main">
+              <a14:hiddenFill xmlns:a14="http://schemas.microsoft.com/office/drawing/2010/main" xmlns="">
                 <a:solidFill>
                   <a:srgbClr val="FFFFFF"/>
                 </a:solidFill>
               </a14:hiddenFill>
             </a:ext>
             <a:ext uri="{FAA26D3D-D897-4be2-8F04-BA451C77F1D7}">
-              <ma14:placeholderFlag xmlns="" xmlns:ma14="http://schemas.microsoft.com/office/mac/drawingml/2011/main" val="1"/>
+              <ma14:placeholderFlag xmlns:ma14="http://schemas.microsoft.com/office/mac/drawingml/2011/main" xmlns="" val="1"/>
             </a:ext>
           </a:extLst>
         </p:spPr>
@@ -2141,14 +2141,14 @@
           <a:noFill/>
           <a:extLst>
             <a:ext uri="{909E8E84-426E-40dd-AFC4-6F175D3DCCD1}">
-              <a14:hiddenFill xmlns="" xmlns:a14="http://schemas.microsoft.com/office/drawing/2010/main">
+              <a14:hiddenFill xmlns:a14="http://schemas.microsoft.com/office/drawing/2010/main" xmlns="">
                 <a:solidFill>
                   <a:srgbClr val="FFFFFF"/>
                 </a:solidFill>
               </a14:hiddenFill>
             </a:ext>
             <a:ext uri="{91240B29-F687-4f45-9708-019B960494DF}">
-              <a14:hiddenLine xmlns="" xmlns:a14="http://schemas.microsoft.com/office/drawing/2010/main" w="9525">
+              <a14:hiddenLine xmlns:a14="http://schemas.microsoft.com/office/drawing/2010/main" xmlns="" w="9525">
                 <a:solidFill>
                   <a:srgbClr val="000000"/>
                 </a:solidFill>
@@ -2317,14 +2317,14 @@
           </a:ln>
           <a:extLst>
             <a:ext uri="{909E8E84-426E-40dd-AFC4-6F175D3DCCD1}">
-              <a14:hiddenFill xmlns="" xmlns:a14="http://schemas.microsoft.com/office/drawing/2010/main">
+              <a14:hiddenFill xmlns:a14="http://schemas.microsoft.com/office/drawing/2010/main" xmlns="">
                 <a:solidFill>
                   <a:srgbClr val="FFFFFF"/>
                 </a:solidFill>
               </a14:hiddenFill>
             </a:ext>
             <a:ext uri="{FAA26D3D-D897-4be2-8F04-BA451C77F1D7}">
-              <ma14:placeholderFlag xmlns="" xmlns:ma14="http://schemas.microsoft.com/office/mac/drawingml/2011/main" val="1"/>
+              <ma14:placeholderFlag xmlns:ma14="http://schemas.microsoft.com/office/mac/drawingml/2011/main" xmlns="" val="1"/>
             </a:ext>
           </a:extLst>
         </p:spPr>
@@ -2343,14 +2343,14 @@
           <a:noFill/>
           <a:extLst>
             <a:ext uri="{909E8E84-426E-40dd-AFC4-6F175D3DCCD1}">
-              <a14:hiddenFill xmlns="" xmlns:a14="http://schemas.microsoft.com/office/drawing/2010/main">
+              <a14:hiddenFill xmlns:a14="http://schemas.microsoft.com/office/drawing/2010/main" xmlns="">
                 <a:solidFill>
                   <a:srgbClr val="FFFFFF"/>
                 </a:solidFill>
               </a14:hiddenFill>
             </a:ext>
             <a:ext uri="{91240B29-F687-4f45-9708-019B960494DF}">
-              <a14:hiddenLine xmlns="" xmlns:a14="http://schemas.microsoft.com/office/drawing/2010/main" w="9525">
+              <a14:hiddenLine xmlns:a14="http://schemas.microsoft.com/office/drawing/2010/main" xmlns="" w="9525">
                 <a:solidFill>
                   <a:srgbClr val="000000"/>
                 </a:solidFill>
@@ -2430,14 +2430,14 @@
           </a:ln>
           <a:extLst>
             <a:ext uri="{909E8E84-426E-40dd-AFC4-6F175D3DCCD1}">
-              <a14:hiddenFill xmlns="" xmlns:a14="http://schemas.microsoft.com/office/drawing/2010/main">
+              <a14:hiddenFill xmlns:a14="http://schemas.microsoft.com/office/drawing/2010/main" xmlns="">
                 <a:solidFill>
                   <a:srgbClr val="FFFFFF"/>
                 </a:solidFill>
               </a14:hiddenFill>
             </a:ext>
             <a:ext uri="{FAA26D3D-D897-4be2-8F04-BA451C77F1D7}">
-              <ma14:placeholderFlag xmlns="" xmlns:ma14="http://schemas.microsoft.com/office/mac/drawingml/2011/main" val="1"/>
+              <ma14:placeholderFlag xmlns:ma14="http://schemas.microsoft.com/office/mac/drawingml/2011/main" xmlns="" val="1"/>
             </a:ext>
           </a:extLst>
         </p:spPr>
@@ -2456,14 +2456,14 @@
           <a:noFill/>
           <a:extLst>
             <a:ext uri="{909E8E84-426E-40dd-AFC4-6F175D3DCCD1}">
-              <a14:hiddenFill xmlns="" xmlns:a14="http://schemas.microsoft.com/office/drawing/2010/main">
+              <a14:hiddenFill xmlns:a14="http://schemas.microsoft.com/office/drawing/2010/main" xmlns="">
                 <a:solidFill>
                   <a:srgbClr val="FFFFFF"/>
                 </a:solidFill>
               </a14:hiddenFill>
             </a:ext>
             <a:ext uri="{91240B29-F687-4f45-9708-019B960494DF}">
-              <a14:hiddenLine xmlns="" xmlns:a14="http://schemas.microsoft.com/office/drawing/2010/main" w="9525">
+              <a14:hiddenLine xmlns:a14="http://schemas.microsoft.com/office/drawing/2010/main" xmlns="" w="9525">
                 <a:solidFill>
                   <a:srgbClr val="000000"/>
                 </a:solidFill>
@@ -2862,14 +2862,14 @@
           </a:ln>
           <a:extLst>
             <a:ext uri="{909E8E84-426E-40dd-AFC4-6F175D3DCCD1}">
-              <a14:hiddenFill xmlns="" xmlns:a14="http://schemas.microsoft.com/office/drawing/2010/main">
+              <a14:hiddenFill xmlns:a14="http://schemas.microsoft.com/office/drawing/2010/main" xmlns="">
                 <a:solidFill>
                   <a:srgbClr val="FFFFFF"/>
                 </a:solidFill>
               </a14:hiddenFill>
             </a:ext>
             <a:ext uri="{FAA26D3D-D897-4be2-8F04-BA451C77F1D7}">
-              <ma14:placeholderFlag xmlns="" xmlns:ma14="http://schemas.microsoft.com/office/mac/drawingml/2011/main" val="1"/>
+              <ma14:placeholderFlag xmlns:ma14="http://schemas.microsoft.com/office/mac/drawingml/2011/main" xmlns="" val="1"/>
             </a:ext>
           </a:extLst>
         </p:spPr>
@@ -2888,14 +2888,14 @@
           <a:noFill/>
           <a:extLst>
             <a:ext uri="{909E8E84-426E-40dd-AFC4-6F175D3DCCD1}">
-              <a14:hiddenFill xmlns="" xmlns:a14="http://schemas.microsoft.com/office/drawing/2010/main">
+              <a14:hiddenFill xmlns:a14="http://schemas.microsoft.com/office/drawing/2010/main" xmlns="">
                 <a:solidFill>
                   <a:srgbClr val="FFFFFF"/>
                 </a:solidFill>
               </a14:hiddenFill>
             </a:ext>
             <a:ext uri="{91240B29-F687-4f45-9708-019B960494DF}">
-              <a14:hiddenLine xmlns="" xmlns:a14="http://schemas.microsoft.com/office/drawing/2010/main" w="9525">
+              <a14:hiddenLine xmlns:a14="http://schemas.microsoft.com/office/drawing/2010/main" xmlns="" w="9525">
                 <a:solidFill>
                   <a:srgbClr val="000000"/>
                 </a:solidFill>
@@ -3206,14 +3206,14 @@
           </a:ln>
           <a:extLst>
             <a:ext uri="{909E8E84-426E-40dd-AFC4-6F175D3DCCD1}">
-              <a14:hiddenFill xmlns="" xmlns:a14="http://schemas.microsoft.com/office/drawing/2010/main">
+              <a14:hiddenFill xmlns:a14="http://schemas.microsoft.com/office/drawing/2010/main" xmlns="">
                 <a:solidFill>
                   <a:srgbClr val="FFFFFF"/>
                 </a:solidFill>
               </a14:hiddenFill>
             </a:ext>
             <a:ext uri="{FAA26D3D-D897-4be2-8F04-BA451C77F1D7}">
-              <ma14:placeholderFlag xmlns="" xmlns:ma14="http://schemas.microsoft.com/office/mac/drawingml/2011/main" val="1"/>
+              <ma14:placeholderFlag xmlns:ma14="http://schemas.microsoft.com/office/mac/drawingml/2011/main" xmlns="" val="1"/>
             </a:ext>
           </a:extLst>
         </p:spPr>
@@ -3232,14 +3232,14 @@
           <a:noFill/>
           <a:extLst>
             <a:ext uri="{909E8E84-426E-40dd-AFC4-6F175D3DCCD1}">
-              <a14:hiddenFill xmlns="" xmlns:a14="http://schemas.microsoft.com/office/drawing/2010/main">
+              <a14:hiddenFill xmlns:a14="http://schemas.microsoft.com/office/drawing/2010/main" xmlns="">
                 <a:solidFill>
                   <a:srgbClr val="FFFFFF"/>
                 </a:solidFill>
               </a14:hiddenFill>
             </a:ext>
             <a:ext uri="{91240B29-F687-4f45-9708-019B960494DF}">
-              <a14:hiddenLine xmlns="" xmlns:a14="http://schemas.microsoft.com/office/drawing/2010/main" w="9525">
+              <a14:hiddenLine xmlns:a14="http://schemas.microsoft.com/office/drawing/2010/main" xmlns="" w="9525">
                 <a:solidFill>
                   <a:srgbClr val="000000"/>
                 </a:solidFill>
@@ -3396,14 +3396,14 @@
           </a:ln>
           <a:extLst>
             <a:ext uri="{909E8E84-426E-40dd-AFC4-6F175D3DCCD1}">
-              <a14:hiddenFill xmlns="" xmlns:a14="http://schemas.microsoft.com/office/drawing/2010/main">
+              <a14:hiddenFill xmlns:a14="http://schemas.microsoft.com/office/drawing/2010/main" xmlns="">
                 <a:solidFill>
                   <a:srgbClr val="FFFFFF"/>
                 </a:solidFill>
               </a14:hiddenFill>
             </a:ext>
             <a:ext uri="{FAA26D3D-D897-4be2-8F04-BA451C77F1D7}">
-              <ma14:placeholderFlag xmlns="" xmlns:ma14="http://schemas.microsoft.com/office/mac/drawingml/2011/main" val="1"/>
+              <ma14:placeholderFlag xmlns:ma14="http://schemas.microsoft.com/office/mac/drawingml/2011/main" xmlns="" val="1"/>
             </a:ext>
           </a:extLst>
         </p:spPr>
@@ -3422,14 +3422,14 @@
           <a:noFill/>
           <a:extLst>
             <a:ext uri="{909E8E84-426E-40dd-AFC4-6F175D3DCCD1}">
-              <a14:hiddenFill xmlns="" xmlns:a14="http://schemas.microsoft.com/office/drawing/2010/main">
+              <a14:hiddenFill xmlns:a14="http://schemas.microsoft.com/office/drawing/2010/main" xmlns="">
                 <a:solidFill>
                   <a:srgbClr val="FFFFFF"/>
                 </a:solidFill>
               </a14:hiddenFill>
             </a:ext>
             <a:ext uri="{91240B29-F687-4f45-9708-019B960494DF}">
-              <a14:hiddenLine xmlns="" xmlns:a14="http://schemas.microsoft.com/office/drawing/2010/main" w="9525">
+              <a14:hiddenLine xmlns:a14="http://schemas.microsoft.com/office/drawing/2010/main" xmlns="" w="9525">
                 <a:solidFill>
                   <a:srgbClr val="000000"/>
                 </a:solidFill>
@@ -3514,14 +3514,14 @@
           </a:ln>
           <a:extLst>
             <a:ext uri="{909E8E84-426E-40dd-AFC4-6F175D3DCCD1}">
-              <a14:hiddenFill xmlns="" xmlns:a14="http://schemas.microsoft.com/office/drawing/2010/main">
+              <a14:hiddenFill xmlns:a14="http://schemas.microsoft.com/office/drawing/2010/main" xmlns="">
                 <a:solidFill>
                   <a:srgbClr val="FFFFFF"/>
                 </a:solidFill>
               </a14:hiddenFill>
             </a:ext>
             <a:ext uri="{FAA26D3D-D897-4be2-8F04-BA451C77F1D7}">
-              <ma14:placeholderFlag xmlns="" xmlns:ma14="http://schemas.microsoft.com/office/mac/drawingml/2011/main" val="1"/>
+              <ma14:placeholderFlag xmlns:ma14="http://schemas.microsoft.com/office/mac/drawingml/2011/main" xmlns="" val="1"/>
             </a:ext>
           </a:extLst>
         </p:spPr>
@@ -3540,14 +3540,14 @@
           <a:noFill/>
           <a:extLst>
             <a:ext uri="{909E8E84-426E-40dd-AFC4-6F175D3DCCD1}">
-              <a14:hiddenFill xmlns="" xmlns:a14="http://schemas.microsoft.com/office/drawing/2010/main">
+              <a14:hiddenFill xmlns:a14="http://schemas.microsoft.com/office/drawing/2010/main" xmlns="">
                 <a:solidFill>
                   <a:srgbClr val="FFFFFF"/>
                 </a:solidFill>
               </a14:hiddenFill>
             </a:ext>
             <a:ext uri="{91240B29-F687-4f45-9708-019B960494DF}">
-              <a14:hiddenLine xmlns="" xmlns:a14="http://schemas.microsoft.com/office/drawing/2010/main" w="9525">
+              <a14:hiddenLine xmlns:a14="http://schemas.microsoft.com/office/drawing/2010/main" xmlns="" w="9525">
                 <a:solidFill>
                   <a:srgbClr val="000000"/>
                 </a:solidFill>
@@ -3635,14 +3635,14 @@
           </a:ln>
           <a:extLst>
             <a:ext uri="{909E8E84-426E-40dd-AFC4-6F175D3DCCD1}">
-              <a14:hiddenFill xmlns="" xmlns:a14="http://schemas.microsoft.com/office/drawing/2010/main">
+              <a14:hiddenFill xmlns:a14="http://schemas.microsoft.com/office/drawing/2010/main" xmlns="">
                 <a:solidFill>
                   <a:srgbClr val="FFFFFF"/>
                 </a:solidFill>
               </a14:hiddenFill>
             </a:ext>
             <a:ext uri="{FAA26D3D-D897-4be2-8F04-BA451C77F1D7}">
-              <ma14:placeholderFlag xmlns="" xmlns:ma14="http://schemas.microsoft.com/office/mac/drawingml/2011/main" val="1"/>
+              <ma14:placeholderFlag xmlns:ma14="http://schemas.microsoft.com/office/mac/drawingml/2011/main" xmlns="" val="1"/>
             </a:ext>
           </a:extLst>
         </p:spPr>
@@ -3661,14 +3661,14 @@
           <a:noFill/>
           <a:extLst>
             <a:ext uri="{909E8E84-426E-40dd-AFC4-6F175D3DCCD1}">
-              <a14:hiddenFill xmlns="" xmlns:a14="http://schemas.microsoft.com/office/drawing/2010/main">
+              <a14:hiddenFill xmlns:a14="http://schemas.microsoft.com/office/drawing/2010/main" xmlns="">
                 <a:solidFill>
                   <a:srgbClr val="FFFFFF"/>
                 </a:solidFill>
               </a14:hiddenFill>
             </a:ext>
             <a:ext uri="{91240B29-F687-4f45-9708-019B960494DF}">
-              <a14:hiddenLine xmlns="" xmlns:a14="http://schemas.microsoft.com/office/drawing/2010/main" w="9525">
+              <a14:hiddenLine xmlns:a14="http://schemas.microsoft.com/office/drawing/2010/main" xmlns="" w="9525">
                 <a:solidFill>
                   <a:srgbClr val="000000"/>
                 </a:solidFill>
@@ -3756,14 +3756,14 @@
           </a:ln>
           <a:extLst>
             <a:ext uri="{909E8E84-426E-40dd-AFC4-6F175D3DCCD1}">
-              <a14:hiddenFill xmlns="" xmlns:a14="http://schemas.microsoft.com/office/drawing/2010/main">
+              <a14:hiddenFill xmlns:a14="http://schemas.microsoft.com/office/drawing/2010/main" xmlns="">
                 <a:solidFill>
                   <a:srgbClr val="FFFFFF"/>
                 </a:solidFill>
               </a14:hiddenFill>
             </a:ext>
             <a:ext uri="{FAA26D3D-D897-4be2-8F04-BA451C77F1D7}">
-              <ma14:placeholderFlag xmlns="" xmlns:ma14="http://schemas.microsoft.com/office/mac/drawingml/2011/main" val="1"/>
+              <ma14:placeholderFlag xmlns:ma14="http://schemas.microsoft.com/office/mac/drawingml/2011/main" xmlns="" val="1"/>
             </a:ext>
           </a:extLst>
         </p:spPr>
@@ -3782,14 +3782,14 @@
           <a:noFill/>
           <a:extLst>
             <a:ext uri="{909E8E84-426E-40dd-AFC4-6F175D3DCCD1}">
-              <a14:hiddenFill xmlns="" xmlns:a14="http://schemas.microsoft.com/office/drawing/2010/main">
+              <a14:hiddenFill xmlns:a14="http://schemas.microsoft.com/office/drawing/2010/main" xmlns="">
                 <a:solidFill>
                   <a:srgbClr val="FFFFFF"/>
                 </a:solidFill>
               </a14:hiddenFill>
             </a:ext>
             <a:ext uri="{91240B29-F687-4f45-9708-019B960494DF}">
-              <a14:hiddenLine xmlns="" xmlns:a14="http://schemas.microsoft.com/office/drawing/2010/main" w="9525">
+              <a14:hiddenLine xmlns:a14="http://schemas.microsoft.com/office/drawing/2010/main" xmlns="" w="9525">
                 <a:solidFill>
                   <a:srgbClr val="000000"/>
                 </a:solidFill>
@@ -3877,14 +3877,14 @@
           </a:ln>
           <a:extLst>
             <a:ext uri="{909E8E84-426E-40dd-AFC4-6F175D3DCCD1}">
-              <a14:hiddenFill xmlns="" xmlns:a14="http://schemas.microsoft.com/office/drawing/2010/main">
+              <a14:hiddenFill xmlns:a14="http://schemas.microsoft.com/office/drawing/2010/main" xmlns="">
                 <a:solidFill>
                   <a:srgbClr val="FFFFFF"/>
                 </a:solidFill>
               </a14:hiddenFill>
             </a:ext>
             <a:ext uri="{FAA26D3D-D897-4be2-8F04-BA451C77F1D7}">
-              <ma14:placeholderFlag xmlns="" xmlns:ma14="http://schemas.microsoft.com/office/mac/drawingml/2011/main" val="1"/>
+              <ma14:placeholderFlag xmlns:ma14="http://schemas.microsoft.com/office/mac/drawingml/2011/main" xmlns="" val="1"/>
             </a:ext>
           </a:extLst>
         </p:spPr>
@@ -3903,14 +3903,14 @@
           <a:noFill/>
           <a:extLst>
             <a:ext uri="{909E8E84-426E-40dd-AFC4-6F175D3DCCD1}">
-              <a14:hiddenFill xmlns="" xmlns:a14="http://schemas.microsoft.com/office/drawing/2010/main">
+              <a14:hiddenFill xmlns:a14="http://schemas.microsoft.com/office/drawing/2010/main" xmlns="">
                 <a:solidFill>
                   <a:srgbClr val="FFFFFF"/>
                 </a:solidFill>
               </a14:hiddenFill>
             </a:ext>
             <a:ext uri="{91240B29-F687-4f45-9708-019B960494DF}">
-              <a14:hiddenLine xmlns="" xmlns:a14="http://schemas.microsoft.com/office/drawing/2010/main" w="9525">
+              <a14:hiddenLine xmlns:a14="http://schemas.microsoft.com/office/drawing/2010/main" xmlns="" w="9525">
                 <a:solidFill>
                   <a:srgbClr val="000000"/>
                 </a:solidFill>
@@ -3998,14 +3998,14 @@
           </a:ln>
           <a:extLst>
             <a:ext uri="{909E8E84-426E-40dd-AFC4-6F175D3DCCD1}">
-              <a14:hiddenFill xmlns="" xmlns:a14="http://schemas.microsoft.com/office/drawing/2010/main">
+              <a14:hiddenFill xmlns:a14="http://schemas.microsoft.com/office/drawing/2010/main" xmlns="">
                 <a:solidFill>
                   <a:srgbClr val="FFFFFF"/>
                 </a:solidFill>
               </a14:hiddenFill>
             </a:ext>
             <a:ext uri="{FAA26D3D-D897-4be2-8F04-BA451C77F1D7}">
-              <ma14:placeholderFlag xmlns="" xmlns:ma14="http://schemas.microsoft.com/office/mac/drawingml/2011/main" val="1"/>
+              <ma14:placeholderFlag xmlns:ma14="http://schemas.microsoft.com/office/mac/drawingml/2011/main" xmlns="" val="1"/>
             </a:ext>
           </a:extLst>
         </p:spPr>
@@ -4024,14 +4024,14 @@
           <a:noFill/>
           <a:extLst>
             <a:ext uri="{909E8E84-426E-40dd-AFC4-6F175D3DCCD1}">
-              <a14:hiddenFill xmlns="" xmlns:a14="http://schemas.microsoft.com/office/drawing/2010/main">
+              <a14:hiddenFill xmlns:a14="http://schemas.microsoft.com/office/drawing/2010/main" xmlns="">
                 <a:solidFill>
                   <a:srgbClr val="FFFFFF"/>
                 </a:solidFill>
               </a14:hiddenFill>
             </a:ext>
             <a:ext uri="{91240B29-F687-4f45-9708-019B960494DF}">
-              <a14:hiddenLine xmlns="" xmlns:a14="http://schemas.microsoft.com/office/drawing/2010/main" w="9525">
+              <a14:hiddenLine xmlns:a14="http://schemas.microsoft.com/office/drawing/2010/main" xmlns="" w="9525">
                 <a:solidFill>
                   <a:srgbClr val="000000"/>
                 </a:solidFill>
@@ -4119,14 +4119,14 @@
           </a:ln>
           <a:extLst>
             <a:ext uri="{909E8E84-426E-40dd-AFC4-6F175D3DCCD1}">
-              <a14:hiddenFill xmlns="" xmlns:a14="http://schemas.microsoft.com/office/drawing/2010/main">
+              <a14:hiddenFill xmlns:a14="http://schemas.microsoft.com/office/drawing/2010/main" xmlns="">
                 <a:solidFill>
                   <a:srgbClr val="FFFFFF"/>
                 </a:solidFill>
               </a14:hiddenFill>
             </a:ext>
             <a:ext uri="{FAA26D3D-D897-4be2-8F04-BA451C77F1D7}">
-              <ma14:placeholderFlag xmlns="" xmlns:ma14="http://schemas.microsoft.com/office/mac/drawingml/2011/main" val="1"/>
+              <ma14:placeholderFlag xmlns:ma14="http://schemas.microsoft.com/office/mac/drawingml/2011/main" xmlns="" val="1"/>
             </a:ext>
           </a:extLst>
         </p:spPr>
@@ -4145,14 +4145,14 @@
           <a:noFill/>
           <a:extLst>
             <a:ext uri="{909E8E84-426E-40dd-AFC4-6F175D3DCCD1}">
-              <a14:hiddenFill xmlns="" xmlns:a14="http://schemas.microsoft.com/office/drawing/2010/main">
+              <a14:hiddenFill xmlns:a14="http://schemas.microsoft.com/office/drawing/2010/main" xmlns="">
                 <a:solidFill>
                   <a:srgbClr val="FFFFFF"/>
                 </a:solidFill>
               </a14:hiddenFill>
             </a:ext>
             <a:ext uri="{91240B29-F687-4f45-9708-019B960494DF}">
-              <a14:hiddenLine xmlns="" xmlns:a14="http://schemas.microsoft.com/office/drawing/2010/main" w="9525">
+              <a14:hiddenLine xmlns:a14="http://schemas.microsoft.com/office/drawing/2010/main" xmlns="" w="9525">
                 <a:solidFill>
                   <a:srgbClr val="000000"/>
                 </a:solidFill>
@@ -4395,14 +4395,14 @@
           </a:ln>
           <a:extLst>
             <a:ext uri="{909E8E84-426E-40dd-AFC4-6F175D3DCCD1}">
-              <a14:hiddenFill xmlns="" xmlns:a14="http://schemas.microsoft.com/office/drawing/2010/main">
+              <a14:hiddenFill xmlns:a14="http://schemas.microsoft.com/office/drawing/2010/main" xmlns="">
                 <a:solidFill>
                   <a:srgbClr val="FFFFFF"/>
                 </a:solidFill>
               </a14:hiddenFill>
             </a:ext>
             <a:ext uri="{FAA26D3D-D897-4be2-8F04-BA451C77F1D7}">
-              <ma14:placeholderFlag xmlns="" xmlns:ma14="http://schemas.microsoft.com/office/mac/drawingml/2011/main" val="1"/>
+              <ma14:placeholderFlag xmlns:ma14="http://schemas.microsoft.com/office/mac/drawingml/2011/main" xmlns="" val="1"/>
             </a:ext>
           </a:extLst>
         </p:spPr>
@@ -4421,14 +4421,14 @@
           <a:noFill/>
           <a:extLst>
             <a:ext uri="{909E8E84-426E-40dd-AFC4-6F175D3DCCD1}">
-              <a14:hiddenFill xmlns="" xmlns:a14="http://schemas.microsoft.com/office/drawing/2010/main">
+              <a14:hiddenFill xmlns:a14="http://schemas.microsoft.com/office/drawing/2010/main" xmlns="">
                 <a:solidFill>
                   <a:srgbClr val="FFFFFF"/>
                 </a:solidFill>
               </a14:hiddenFill>
             </a:ext>
             <a:ext uri="{91240B29-F687-4f45-9708-019B960494DF}">
-              <a14:hiddenLine xmlns="" xmlns:a14="http://schemas.microsoft.com/office/drawing/2010/main" w="9525">
+              <a14:hiddenLine xmlns:a14="http://schemas.microsoft.com/office/drawing/2010/main" xmlns="" w="9525">
                 <a:solidFill>
                   <a:srgbClr val="000000"/>
                 </a:solidFill>
@@ -4653,14 +4653,14 @@
           </a:ln>
           <a:extLst>
             <a:ext uri="{909E8E84-426E-40dd-AFC4-6F175D3DCCD1}">
-              <a14:hiddenFill xmlns="" xmlns:a14="http://schemas.microsoft.com/office/drawing/2010/main">
+              <a14:hiddenFill xmlns:a14="http://schemas.microsoft.com/office/drawing/2010/main" xmlns="">
                 <a:solidFill>
                   <a:srgbClr val="FFFFFF"/>
                 </a:solidFill>
               </a14:hiddenFill>
             </a:ext>
             <a:ext uri="{FAA26D3D-D897-4be2-8F04-BA451C77F1D7}">
-              <ma14:placeholderFlag xmlns="" xmlns:ma14="http://schemas.microsoft.com/office/mac/drawingml/2011/main" val="1"/>
+              <ma14:placeholderFlag xmlns:ma14="http://schemas.microsoft.com/office/mac/drawingml/2011/main" xmlns="" val="1"/>
             </a:ext>
           </a:extLst>
         </p:spPr>
@@ -4679,14 +4679,14 @@
           <a:noFill/>
           <a:extLst>
             <a:ext uri="{909E8E84-426E-40dd-AFC4-6F175D3DCCD1}">
-              <a14:hiddenFill xmlns="" xmlns:a14="http://schemas.microsoft.com/office/drawing/2010/main">
+              <a14:hiddenFill xmlns:a14="http://schemas.microsoft.com/office/drawing/2010/main" xmlns="">
                 <a:solidFill>
                   <a:srgbClr val="FFFFFF"/>
                 </a:solidFill>
               </a14:hiddenFill>
             </a:ext>
             <a:ext uri="{91240B29-F687-4f45-9708-019B960494DF}">
-              <a14:hiddenLine xmlns="" xmlns:a14="http://schemas.microsoft.com/office/drawing/2010/main" w="9525">
+              <a14:hiddenLine xmlns:a14="http://schemas.microsoft.com/office/drawing/2010/main" xmlns="" w="9525">
                 <a:solidFill>
                   <a:srgbClr val="000000"/>
                 </a:solidFill>
@@ -4848,14 +4848,14 @@
           </a:ln>
           <a:extLst>
             <a:ext uri="{909E8E84-426E-40dd-AFC4-6F175D3DCCD1}">
-              <a14:hiddenFill xmlns="" xmlns:a14="http://schemas.microsoft.com/office/drawing/2010/main">
+              <a14:hiddenFill xmlns:a14="http://schemas.microsoft.com/office/drawing/2010/main" xmlns="">
                 <a:solidFill>
                   <a:srgbClr val="FFFFFF"/>
                 </a:solidFill>
               </a14:hiddenFill>
             </a:ext>
             <a:ext uri="{FAA26D3D-D897-4be2-8F04-BA451C77F1D7}">
-              <ma14:placeholderFlag xmlns="" xmlns:ma14="http://schemas.microsoft.com/office/mac/drawingml/2011/main" val="1"/>
+              <ma14:placeholderFlag xmlns:ma14="http://schemas.microsoft.com/office/mac/drawingml/2011/main" xmlns="" val="1"/>
             </a:ext>
           </a:extLst>
         </p:spPr>
@@ -4874,14 +4874,14 @@
           <a:noFill/>
           <a:extLst>
             <a:ext uri="{909E8E84-426E-40dd-AFC4-6F175D3DCCD1}">
-              <a14:hiddenFill xmlns="" xmlns:a14="http://schemas.microsoft.com/office/drawing/2010/main">
+              <a14:hiddenFill xmlns:a14="http://schemas.microsoft.com/office/drawing/2010/main" xmlns="">
                 <a:solidFill>
                   <a:srgbClr val="FFFFFF"/>
                 </a:solidFill>
               </a14:hiddenFill>
             </a:ext>
             <a:ext uri="{91240B29-F687-4f45-9708-019B960494DF}">
-              <a14:hiddenLine xmlns="" xmlns:a14="http://schemas.microsoft.com/office/drawing/2010/main" w="9525">
+              <a14:hiddenLine xmlns:a14="http://schemas.microsoft.com/office/drawing/2010/main" xmlns="" w="9525">
                 <a:solidFill>
                   <a:srgbClr val="000000"/>
                 </a:solidFill>
@@ -5277,14 +5277,14 @@
           </a:ln>
           <a:extLst>
             <a:ext uri="{909E8E84-426E-40dd-AFC4-6F175D3DCCD1}">
-              <a14:hiddenFill xmlns="" xmlns:a14="http://schemas.microsoft.com/office/drawing/2010/main">
+              <a14:hiddenFill xmlns:a14="http://schemas.microsoft.com/office/drawing/2010/main" xmlns="">
                 <a:solidFill>
                   <a:srgbClr val="FFFFFF"/>
                 </a:solidFill>
               </a14:hiddenFill>
             </a:ext>
             <a:ext uri="{FAA26D3D-D897-4be2-8F04-BA451C77F1D7}">
-              <ma14:placeholderFlag xmlns="" xmlns:ma14="http://schemas.microsoft.com/office/mac/drawingml/2011/main" val="1"/>
+              <ma14:placeholderFlag xmlns:ma14="http://schemas.microsoft.com/office/mac/drawingml/2011/main" xmlns="" val="1"/>
             </a:ext>
           </a:extLst>
         </p:spPr>
@@ -5303,14 +5303,14 @@
           <a:noFill/>
           <a:extLst>
             <a:ext uri="{909E8E84-426E-40dd-AFC4-6F175D3DCCD1}">
-              <a14:hiddenFill xmlns="" xmlns:a14="http://schemas.microsoft.com/office/drawing/2010/main">
+              <a14:hiddenFill xmlns:a14="http://schemas.microsoft.com/office/drawing/2010/main" xmlns="">
                 <a:solidFill>
                   <a:srgbClr val="FFFFFF"/>
                 </a:solidFill>
               </a14:hiddenFill>
             </a:ext>
             <a:ext uri="{91240B29-F687-4f45-9708-019B960494DF}">
-              <a14:hiddenLine xmlns="" xmlns:a14="http://schemas.microsoft.com/office/drawing/2010/main" w="9525">
+              <a14:hiddenLine xmlns:a14="http://schemas.microsoft.com/office/drawing/2010/main" xmlns="" w="9525">
                 <a:solidFill>
                   <a:srgbClr val="000000"/>
                 </a:solidFill>
@@ -5514,14 +5514,14 @@
           </a:ln>
           <a:extLst>
             <a:ext uri="{909E8E84-426E-40dd-AFC4-6F175D3DCCD1}">
-              <a14:hiddenFill xmlns="" xmlns:a14="http://schemas.microsoft.com/office/drawing/2010/main">
+              <a14:hiddenFill xmlns:a14="http://schemas.microsoft.com/office/drawing/2010/main" xmlns="">
                 <a:solidFill>
                   <a:srgbClr val="FFFFFF"/>
                 </a:solidFill>
               </a14:hiddenFill>
             </a:ext>
             <a:ext uri="{FAA26D3D-D897-4be2-8F04-BA451C77F1D7}">
-              <ma14:placeholderFlag xmlns="" xmlns:ma14="http://schemas.microsoft.com/office/mac/drawingml/2011/main" val="1"/>
+              <ma14:placeholderFlag xmlns:ma14="http://schemas.microsoft.com/office/mac/drawingml/2011/main" xmlns="" val="1"/>
             </a:ext>
           </a:extLst>
         </p:spPr>
@@ -5540,14 +5540,14 @@
           <a:noFill/>
           <a:extLst>
             <a:ext uri="{909E8E84-426E-40dd-AFC4-6F175D3DCCD1}">
-              <a14:hiddenFill xmlns="" xmlns:a14="http://schemas.microsoft.com/office/drawing/2010/main">
+              <a14:hiddenFill xmlns:a14="http://schemas.microsoft.com/office/drawing/2010/main" xmlns="">
                 <a:solidFill>
                   <a:srgbClr val="FFFFFF"/>
                 </a:solidFill>
               </a14:hiddenFill>
             </a:ext>
             <a:ext uri="{91240B29-F687-4f45-9708-019B960494DF}">
-              <a14:hiddenLine xmlns="" xmlns:a14="http://schemas.microsoft.com/office/drawing/2010/main" w="9525">
+              <a14:hiddenLine xmlns:a14="http://schemas.microsoft.com/office/drawing/2010/main" xmlns="" w="9525">
                 <a:solidFill>
                   <a:srgbClr val="000000"/>
                 </a:solidFill>
@@ -5712,14 +5712,14 @@
           </a:ln>
           <a:extLst>
             <a:ext uri="{909E8E84-426E-40dd-AFC4-6F175D3DCCD1}">
-              <a14:hiddenFill xmlns="" xmlns:a14="http://schemas.microsoft.com/office/drawing/2010/main">
+              <a14:hiddenFill xmlns:a14="http://schemas.microsoft.com/office/drawing/2010/main" xmlns="">
                 <a:solidFill>
                   <a:srgbClr val="FFFFFF"/>
                 </a:solidFill>
               </a14:hiddenFill>
             </a:ext>
             <a:ext uri="{FAA26D3D-D897-4be2-8F04-BA451C77F1D7}">
-              <ma14:placeholderFlag xmlns="" xmlns:ma14="http://schemas.microsoft.com/office/mac/drawingml/2011/main" val="1"/>
+              <ma14:placeholderFlag xmlns:ma14="http://schemas.microsoft.com/office/mac/drawingml/2011/main" xmlns="" val="1"/>
             </a:ext>
           </a:extLst>
         </p:spPr>
@@ -5738,14 +5738,14 @@
           <a:noFill/>
           <a:extLst>
             <a:ext uri="{909E8E84-426E-40dd-AFC4-6F175D3DCCD1}">
-              <a14:hiddenFill xmlns="" xmlns:a14="http://schemas.microsoft.com/office/drawing/2010/main">
+              <a14:hiddenFill xmlns:a14="http://schemas.microsoft.com/office/drawing/2010/main" xmlns="">
                 <a:solidFill>
                   <a:srgbClr val="FFFFFF"/>
                 </a:solidFill>
               </a14:hiddenFill>
             </a:ext>
             <a:ext uri="{91240B29-F687-4f45-9708-019B960494DF}">
-              <a14:hiddenLine xmlns="" xmlns:a14="http://schemas.microsoft.com/office/drawing/2010/main" w="9525">
+              <a14:hiddenLine xmlns:a14="http://schemas.microsoft.com/office/drawing/2010/main" xmlns="" w="9525">
                 <a:solidFill>
                   <a:srgbClr val="000000"/>
                 </a:solidFill>
@@ -5869,14 +5869,14 @@
           </a:ln>
           <a:extLst>
             <a:ext uri="{909E8E84-426E-40dd-AFC4-6F175D3DCCD1}">
-              <a14:hiddenFill xmlns="" xmlns:a14="http://schemas.microsoft.com/office/drawing/2010/main">
+              <a14:hiddenFill xmlns:a14="http://schemas.microsoft.com/office/drawing/2010/main" xmlns="">
                 <a:solidFill>
                   <a:srgbClr val="FFFFFF"/>
                 </a:solidFill>
               </a14:hiddenFill>
             </a:ext>
             <a:ext uri="{FAA26D3D-D897-4be2-8F04-BA451C77F1D7}">
-              <ma14:placeholderFlag xmlns="" xmlns:ma14="http://schemas.microsoft.com/office/mac/drawingml/2011/main" val="1"/>
+              <ma14:placeholderFlag xmlns:ma14="http://schemas.microsoft.com/office/mac/drawingml/2011/main" xmlns="" val="1"/>
             </a:ext>
           </a:extLst>
         </p:spPr>
@@ -5895,14 +5895,14 @@
           <a:noFill/>
           <a:extLst>
             <a:ext uri="{909E8E84-426E-40dd-AFC4-6F175D3DCCD1}">
-              <a14:hiddenFill xmlns="" xmlns:a14="http://schemas.microsoft.com/office/drawing/2010/main">
+              <a14:hiddenFill xmlns:a14="http://schemas.microsoft.com/office/drawing/2010/main" xmlns="">
                 <a:solidFill>
                   <a:srgbClr val="FFFFFF"/>
                 </a:solidFill>
               </a14:hiddenFill>
             </a:ext>
             <a:ext uri="{91240B29-F687-4f45-9708-019B960494DF}">
-              <a14:hiddenLine xmlns="" xmlns:a14="http://schemas.microsoft.com/office/drawing/2010/main" w="9525">
+              <a14:hiddenLine xmlns:a14="http://schemas.microsoft.com/office/drawing/2010/main" xmlns="" w="9525">
                 <a:solidFill>
                   <a:srgbClr val="000000"/>
                 </a:solidFill>
@@ -5987,14 +5987,14 @@
           </a:ln>
           <a:extLst>
             <a:ext uri="{909E8E84-426E-40dd-AFC4-6F175D3DCCD1}">
-              <a14:hiddenFill xmlns="" xmlns:a14="http://schemas.microsoft.com/office/drawing/2010/main">
+              <a14:hiddenFill xmlns:a14="http://schemas.microsoft.com/office/drawing/2010/main" xmlns="">
                 <a:solidFill>
                   <a:srgbClr val="FFFFFF"/>
                 </a:solidFill>
               </a14:hiddenFill>
             </a:ext>
             <a:ext uri="{FAA26D3D-D897-4be2-8F04-BA451C77F1D7}">
-              <ma14:placeholderFlag xmlns="" xmlns:ma14="http://schemas.microsoft.com/office/mac/drawingml/2011/main" val="1"/>
+              <ma14:placeholderFlag xmlns:ma14="http://schemas.microsoft.com/office/mac/drawingml/2011/main" xmlns="" val="1"/>
             </a:ext>
           </a:extLst>
         </p:spPr>
@@ -6013,14 +6013,14 @@
           <a:noFill/>
           <a:extLst>
             <a:ext uri="{909E8E84-426E-40dd-AFC4-6F175D3DCCD1}">
-              <a14:hiddenFill xmlns="" xmlns:a14="http://schemas.microsoft.com/office/drawing/2010/main">
+              <a14:hiddenFill xmlns:a14="http://schemas.microsoft.com/office/drawing/2010/main" xmlns="">
                 <a:solidFill>
                   <a:srgbClr val="FFFFFF"/>
                 </a:solidFill>
               </a14:hiddenFill>
             </a:ext>
             <a:ext uri="{91240B29-F687-4f45-9708-019B960494DF}">
-              <a14:hiddenLine xmlns="" xmlns:a14="http://schemas.microsoft.com/office/drawing/2010/main" w="9525">
+              <a14:hiddenLine xmlns:a14="http://schemas.microsoft.com/office/drawing/2010/main" xmlns="" w="9525">
                 <a:solidFill>
                   <a:srgbClr val="000000"/>
                 </a:solidFill>
@@ -6100,14 +6100,14 @@
           </a:ln>
           <a:extLst>
             <a:ext uri="{909E8E84-426E-40dd-AFC4-6F175D3DCCD1}">
-              <a14:hiddenFill xmlns="" xmlns:a14="http://schemas.microsoft.com/office/drawing/2010/main">
+              <a14:hiddenFill xmlns:a14="http://schemas.microsoft.com/office/drawing/2010/main" xmlns="">
                 <a:solidFill>
                   <a:srgbClr val="FFFFFF"/>
                 </a:solidFill>
               </a14:hiddenFill>
             </a:ext>
             <a:ext uri="{FAA26D3D-D897-4be2-8F04-BA451C77F1D7}">
-              <ma14:placeholderFlag xmlns="" xmlns:ma14="http://schemas.microsoft.com/office/mac/drawingml/2011/main" val="1"/>
+              <ma14:placeholderFlag xmlns:ma14="http://schemas.microsoft.com/office/mac/drawingml/2011/main" xmlns="" val="1"/>
             </a:ext>
           </a:extLst>
         </p:spPr>
@@ -6126,14 +6126,14 @@
           <a:noFill/>
           <a:extLst>
             <a:ext uri="{909E8E84-426E-40dd-AFC4-6F175D3DCCD1}">
-              <a14:hiddenFill xmlns="" xmlns:a14="http://schemas.microsoft.com/office/drawing/2010/main">
+              <a14:hiddenFill xmlns:a14="http://schemas.microsoft.com/office/drawing/2010/main" xmlns="">
                 <a:solidFill>
                   <a:srgbClr val="FFFFFF"/>
                 </a:solidFill>
               </a14:hiddenFill>
             </a:ext>
             <a:ext uri="{91240B29-F687-4f45-9708-019B960494DF}">
-              <a14:hiddenLine xmlns="" xmlns:a14="http://schemas.microsoft.com/office/drawing/2010/main" w="9525">
+              <a14:hiddenLine xmlns:a14="http://schemas.microsoft.com/office/drawing/2010/main" xmlns="" w="9525">
                 <a:solidFill>
                   <a:srgbClr val="000000"/>
                 </a:solidFill>
@@ -6213,14 +6213,14 @@
           </a:ln>
           <a:extLst>
             <a:ext uri="{909E8E84-426E-40dd-AFC4-6F175D3DCCD1}">
-              <a14:hiddenFill xmlns="" xmlns:a14="http://schemas.microsoft.com/office/drawing/2010/main">
+              <a14:hiddenFill xmlns:a14="http://schemas.microsoft.com/office/drawing/2010/main" xmlns="">
                 <a:solidFill>
                   <a:srgbClr val="FFFFFF"/>
                 </a:solidFill>
               </a14:hiddenFill>
             </a:ext>
             <a:ext uri="{FAA26D3D-D897-4be2-8F04-BA451C77F1D7}">
-              <ma14:placeholderFlag xmlns="" xmlns:ma14="http://schemas.microsoft.com/office/mac/drawingml/2011/main" val="1"/>
+              <ma14:placeholderFlag xmlns:ma14="http://schemas.microsoft.com/office/mac/drawingml/2011/main" xmlns="" val="1"/>
             </a:ext>
           </a:extLst>
         </p:spPr>
@@ -6239,14 +6239,14 @@
           <a:noFill/>
           <a:extLst>
             <a:ext uri="{909E8E84-426E-40dd-AFC4-6F175D3DCCD1}">
-              <a14:hiddenFill xmlns="" xmlns:a14="http://schemas.microsoft.com/office/drawing/2010/main">
+              <a14:hiddenFill xmlns:a14="http://schemas.microsoft.com/office/drawing/2010/main" xmlns="">
                 <a:solidFill>
                   <a:srgbClr val="FFFFFF"/>
                 </a:solidFill>
               </a14:hiddenFill>
             </a:ext>
             <a:ext uri="{91240B29-F687-4f45-9708-019B960494DF}">
-              <a14:hiddenLine xmlns="" xmlns:a14="http://schemas.microsoft.com/office/drawing/2010/main" w="9525">
+              <a14:hiddenLine xmlns:a14="http://schemas.microsoft.com/office/drawing/2010/main" xmlns="" w="9525">
                 <a:solidFill>
                   <a:srgbClr val="000000"/>
                 </a:solidFill>
@@ -6326,14 +6326,14 @@
           </a:ln>
           <a:extLst>
             <a:ext uri="{909E8E84-426E-40dd-AFC4-6F175D3DCCD1}">
-              <a14:hiddenFill xmlns="" xmlns:a14="http://schemas.microsoft.com/office/drawing/2010/main">
+              <a14:hiddenFill xmlns:a14="http://schemas.microsoft.com/office/drawing/2010/main" xmlns="">
                 <a:solidFill>
                   <a:srgbClr val="FFFFFF"/>
                 </a:solidFill>
               </a14:hiddenFill>
             </a:ext>
             <a:ext uri="{FAA26D3D-D897-4be2-8F04-BA451C77F1D7}">
-              <ma14:placeholderFlag xmlns="" xmlns:ma14="http://schemas.microsoft.com/office/mac/drawingml/2011/main" val="1"/>
+              <ma14:placeholderFlag xmlns:ma14="http://schemas.microsoft.com/office/mac/drawingml/2011/main" xmlns="" val="1"/>
             </a:ext>
           </a:extLst>
         </p:spPr>
@@ -6352,14 +6352,14 @@
           <a:noFill/>
           <a:extLst>
             <a:ext uri="{909E8E84-426E-40dd-AFC4-6F175D3DCCD1}">
-              <a14:hiddenFill xmlns="" xmlns:a14="http://schemas.microsoft.com/office/drawing/2010/main">
+              <a14:hiddenFill xmlns:a14="http://schemas.microsoft.com/office/drawing/2010/main" xmlns="">
                 <a:solidFill>
                   <a:srgbClr val="FFFFFF"/>
                 </a:solidFill>
               </a14:hiddenFill>
             </a:ext>
             <a:ext uri="{91240B29-F687-4f45-9708-019B960494DF}">
-              <a14:hiddenLine xmlns="" xmlns:a14="http://schemas.microsoft.com/office/drawing/2010/main" w="9525">
+              <a14:hiddenLine xmlns:a14="http://schemas.microsoft.com/office/drawing/2010/main" xmlns="" w="9525">
                 <a:solidFill>
                   <a:srgbClr val="000000"/>
                 </a:solidFill>
@@ -6612,14 +6612,14 @@
           </a:ln>
           <a:extLst>
             <a:ext uri="{909E8E84-426E-40dd-AFC4-6F175D3DCCD1}">
-              <a14:hiddenFill xmlns="" xmlns:a14="http://schemas.microsoft.com/office/drawing/2010/main">
+              <a14:hiddenFill xmlns:a14="http://schemas.microsoft.com/office/drawing/2010/main" xmlns="">
                 <a:solidFill>
                   <a:srgbClr val="FFFFFF"/>
                 </a:solidFill>
               </a14:hiddenFill>
             </a:ext>
             <a:ext uri="{91240B29-F687-4f45-9708-019B960494DF}">
-              <a14:hiddenLine xmlns="" xmlns:a14="http://schemas.microsoft.com/office/drawing/2010/main" w="9525">
+              <a14:hiddenLine xmlns:a14="http://schemas.microsoft.com/office/drawing/2010/main" xmlns="" w="9525">
                 <a:solidFill>
                   <a:srgbClr val="000000"/>
                 </a:solidFill>
@@ -7370,14 +7370,14 @@
           </a:ln>
           <a:extLst>
             <a:ext uri="{909E8E84-426E-40dd-AFC4-6F175D3DCCD1}">
-              <a14:hiddenFill xmlns="" xmlns:a14="http://schemas.microsoft.com/office/drawing/2010/main">
+              <a14:hiddenFill xmlns:a14="http://schemas.microsoft.com/office/drawing/2010/main" xmlns="">
                 <a:solidFill>
                   <a:srgbClr val="FFFFFF"/>
                 </a:solidFill>
               </a14:hiddenFill>
             </a:ext>
             <a:ext uri="{91240B29-F687-4f45-9708-019B960494DF}">
-              <a14:hiddenLine xmlns="" xmlns:a14="http://schemas.microsoft.com/office/drawing/2010/main" w="9525">
+              <a14:hiddenLine xmlns:a14="http://schemas.microsoft.com/office/drawing/2010/main" xmlns="" w="9525">
                 <a:solidFill>
                   <a:srgbClr val="000000"/>
                 </a:solidFill>
@@ -9160,14 +9160,14 @@
           </a:ln>
           <a:extLst>
             <a:ext uri="{909E8E84-426E-40dd-AFC4-6F175D3DCCD1}">
-              <a14:hiddenFill xmlns="" xmlns:a14="http://schemas.microsoft.com/office/drawing/2010/main">
+              <a14:hiddenFill xmlns:a14="http://schemas.microsoft.com/office/drawing/2010/main" xmlns="">
                 <a:solidFill>
                   <a:srgbClr val="FFFFFF"/>
                 </a:solidFill>
               </a14:hiddenFill>
             </a:ext>
             <a:ext uri="{91240B29-F687-4f45-9708-019B960494DF}">
-              <a14:hiddenLine xmlns="" xmlns:a14="http://schemas.microsoft.com/office/drawing/2010/main" w="9525">
+              <a14:hiddenLine xmlns:a14="http://schemas.microsoft.com/office/drawing/2010/main" xmlns="" w="9525">
                 <a:solidFill>
                   <a:srgbClr val="000000"/>
                 </a:solidFill>
@@ -9177,7 +9177,7 @@
               </a14:hiddenLine>
             </a:ext>
             <a:ext uri="{FAA26D3D-D897-4be2-8F04-BA451C77F1D7}">
-              <ma14:placeholderFlag xmlns="" xmlns:ma14="http://schemas.microsoft.com/office/mac/drawingml/2011/main" val="1"/>
+              <ma14:placeholderFlag xmlns:ma14="http://schemas.microsoft.com/office/mac/drawingml/2011/main" xmlns="" val="1"/>
             </a:ext>
           </a:extLst>
         </p:spPr>
@@ -9783,13 +9783,13 @@
   <p:clrMapOvr>
     <a:masterClrMapping/>
   </p:clrMapOvr>
-  <mc:AlternateContent xmlns:mc="http://schemas.openxmlformats.org/markup-compatibility/2006">
-    <mc:Choice xmlns:p15="http://schemas.microsoft.com/office/powerpoint/2012/main" Requires="p15">
+  <mc:AlternateContent xmlns:mc="http://schemas.openxmlformats.org/markup-compatibility/2006" xmlns:p15="http://schemas.microsoft.com/office/powerpoint/2012/main">
+    <mc:Choice Requires="p15">
       <p:transition xmlns:p14="http://schemas.microsoft.com/office/powerpoint/2010/main" spd="slow" p14:dur="2000">
         <p15:prstTrans prst="drape"/>
       </p:transition>
     </mc:Choice>
-    <mc:Fallback>
+    <mc:Fallback xmlns="">
       <p:transition spd="slow">
         <p:fade/>
       </p:transition>
@@ -9852,13 +9852,13 @@
   <p:clrMapOvr>
     <a:masterClrMapping/>
   </p:clrMapOvr>
-  <mc:AlternateContent xmlns:mc="http://schemas.openxmlformats.org/markup-compatibility/2006">
-    <mc:Choice xmlns:p15="http://schemas.microsoft.com/office/powerpoint/2012/main" Requires="p15">
+  <mc:AlternateContent xmlns:mc="http://schemas.openxmlformats.org/markup-compatibility/2006" xmlns:p15="http://schemas.microsoft.com/office/powerpoint/2012/main">
+    <mc:Choice Requires="p15">
       <p:transition xmlns:p14="http://schemas.microsoft.com/office/powerpoint/2010/main" spd="slow" p14:dur="2000">
         <p15:prstTrans prst="drape"/>
       </p:transition>
     </mc:Choice>
-    <mc:Fallback>
+    <mc:Fallback xmlns="">
       <p:transition spd="slow">
         <p:fade/>
       </p:transition>
@@ -9987,7 +9987,7 @@
     <a:masterClrMapping/>
   </p:clrMapOvr>
   <p:transition spd="slow">
-    <p:push dir="u"/>
+    <p:cover/>
   </p:transition>
 </p:sld>
 </file>
@@ -10199,6 +10199,9 @@
   <p:clrMapOvr>
     <a:masterClrMapping/>
   </p:clrMapOvr>
+  <p:transition spd="slow">
+    <p:cover/>
+  </p:transition>
 </p:sld>
 </file>
 
@@ -12066,7 +12069,7 @@
               <a:rPr lang="en-US" sz="2000" dirty="0">
                 <a:ea typeface="+mn-ea"/>
               </a:rPr>
-              <a:t>Modern tools such as machine learning and modern visual analytics</a:t>
+              <a:t>Modern tools such as machine learning and modern visual analytics (Tableau!)</a:t>
             </a:r>
           </a:p>
           <a:p>
@@ -17710,7 +17713,7 @@
         <p:spPr>
           <a:xfrm>
             <a:off x="704476" y="1893515"/>
-            <a:ext cx="13273820" cy="4339650"/>
+            <a:ext cx="13273820" cy="5124480"/>
           </a:xfrm>
         </p:spPr>
         <p:txBody>
@@ -17732,29 +17735,23 @@
               <a:defRPr/>
             </a:pPr>
             <a:r>
-              <a:rPr lang="en-US" sz="1600" dirty="0">
+              <a:rPr lang="en-US" sz="2000" dirty="0">
                 <a:ea typeface="+mn-ea"/>
               </a:rPr>
-              <a:t>“AI’s impact on marketing is growing, predicted to reach nearly $40 billion by 2025.” </a:t>
-            </a:r>
-            <a:r>
-              <a:rPr lang="en-US" sz="1600" dirty="0"/>
+              <a:t>“The salaries of data scientists are rapidly increasing with demand.” </a:t>
+            </a:r>
+            <a:r>
+              <a:rPr lang="en-US" sz="2000" dirty="0"/>
               <a:t>(</a:t>
             </a:r>
             <a:r>
-              <a:rPr lang="en-US" sz="1600" dirty="0" err="1">
+              <a:rPr lang="en-US" sz="2000" dirty="0">
                 <a:hlinkClick r:id="rId3"/>
               </a:rPr>
-              <a:t>Attunity</a:t>
-            </a:r>
-            <a:r>
-              <a:rPr lang="en-US" sz="1600" dirty="0">
-                <a:hlinkClick r:id="rId3"/>
-              </a:rPr>
-              <a:t>, 2018</a:t>
-            </a:r>
-            <a:r>
-              <a:rPr lang="en-US" sz="1600" dirty="0"/>
+              <a:t>Attunity, 2018</a:t>
+            </a:r>
+            <a:r>
+              <a:rPr lang="en-US" sz="2000" dirty="0"/>
               <a:t>)</a:t>
             </a:r>
           </a:p>
@@ -17763,29 +17760,28 @@
               <a:defRPr/>
             </a:pPr>
             <a:r>
-              <a:rPr lang="en-US" sz="1600" dirty="0">
+              <a:rPr lang="en-US" sz="2000" b="1" dirty="0">
                 <a:ea typeface="+mn-ea"/>
               </a:rPr>
-              <a:t>“The salaries of data scientists are rapidly increasing with demand.” </a:t>
-            </a:r>
-            <a:r>
-              <a:rPr lang="en-US" sz="1600" dirty="0"/>
+              <a:t>“83% of data scientists polled feel that there is shortage of data scientists today” </a:t>
+            </a:r>
+            <a:r>
+              <a:rPr lang="en-US" sz="2000" dirty="0">
+                <a:ea typeface="+mn-ea"/>
+              </a:rPr>
               <a:t>(</a:t>
             </a:r>
             <a:r>
-              <a:rPr lang="en-US" sz="1600" dirty="0" err="1">
-                <a:hlinkClick r:id="rId3"/>
-              </a:rPr>
-              <a:t>Attunity</a:t>
-            </a:r>
-            <a:r>
-              <a:rPr lang="en-US" sz="1600" dirty="0">
-                <a:hlinkClick r:id="rId3"/>
-              </a:rPr>
-              <a:t>, 2018</a:t>
-            </a:r>
-            <a:r>
-              <a:rPr lang="en-US" sz="1600" dirty="0"/>
+              <a:rPr lang="en-US" sz="2000" dirty="0">
+                <a:ea typeface="+mn-ea"/>
+                <a:hlinkClick r:id="rId4"/>
+              </a:rPr>
+              <a:t>CrowdFlower, 2016</a:t>
+            </a:r>
+            <a:r>
+              <a:rPr lang="en-US" sz="2000" dirty="0">
+                <a:ea typeface="+mn-ea"/>
+              </a:rPr>
               <a:t>)</a:t>
             </a:r>
           </a:p>
@@ -17794,28 +17790,23 @@
               <a:defRPr/>
             </a:pPr>
             <a:r>
-              <a:rPr lang="en-US" sz="1600" b="1" dirty="0">
+              <a:rPr lang="en-US" sz="2000" dirty="0">
                 <a:ea typeface="+mn-ea"/>
               </a:rPr>
-              <a:t>“83% of data scientists polled feel that there is shortage of data scientists today” </a:t>
-            </a:r>
-            <a:r>
-              <a:rPr lang="en-US" sz="1600" dirty="0">
-                <a:ea typeface="+mn-ea"/>
-              </a:rPr>
+              <a:t>“80% of data scientists feel really positive about their current gig” </a:t>
+            </a:r>
+            <a:r>
+              <a:rPr lang="en-US" sz="2000" dirty="0"/>
               <a:t>(</a:t>
             </a:r>
             <a:r>
-              <a:rPr lang="en-US" sz="1600" dirty="0">
-                <a:ea typeface="+mn-ea"/>
+              <a:rPr lang="en-US" sz="2000" dirty="0">
                 <a:hlinkClick r:id="rId4"/>
               </a:rPr>
               <a:t>CrowdFlower, 2016</a:t>
             </a:r>
             <a:r>
-              <a:rPr lang="en-US" sz="1600" dirty="0">
-                <a:ea typeface="+mn-ea"/>
-              </a:rPr>
+              <a:rPr lang="en-US" sz="2000" dirty="0"/>
               <a:t>)</a:t>
             </a:r>
           </a:p>
@@ -17824,45 +17815,20 @@
               <a:defRPr/>
             </a:pPr>
             <a:r>
-              <a:rPr lang="en-US" sz="1600" dirty="0">
+              <a:rPr lang="en-US" sz="2000" dirty="0">
                 <a:ea typeface="+mn-ea"/>
               </a:rPr>
-              <a:t>“80% of data scientists feel really positive about their current gig” </a:t>
-            </a:r>
-            <a:r>
-              <a:rPr lang="en-US" sz="1600" dirty="0"/>
-              <a:t>(</a:t>
-            </a:r>
-            <a:r>
-              <a:rPr lang="en-US" sz="1600" dirty="0">
-                <a:hlinkClick r:id="rId4"/>
-              </a:rPr>
-              <a:t>CrowdFlower, 2016</a:t>
-            </a:r>
-            <a:r>
-              <a:rPr lang="en-US" sz="1600" dirty="0"/>
-              <a:t>)</a:t>
-            </a:r>
-          </a:p>
-          <a:p>
-            <a:pPr marL="739775" lvl="1" indent="-457200" defTabSz="1306221" fontAlgn="auto">
-              <a:defRPr/>
-            </a:pPr>
-            <a:r>
-              <a:rPr lang="en-US" sz="1600" dirty="0">
-                <a:ea typeface="+mn-ea"/>
-              </a:rPr>
               <a:t>“[b]y 2020 the number of Data Science and Analytics job listings is projected to grow by nearly 364,000 listings to approximately 2,720,000.” (</a:t>
             </a:r>
             <a:r>
-              <a:rPr lang="en-US" sz="1600" dirty="0">
+              <a:rPr lang="en-US" sz="2000" dirty="0">
                 <a:ea typeface="+mn-ea"/>
                 <a:hlinkClick r:id="rId5"/>
               </a:rPr>
               <a:t>Forbes, 2017</a:t>
             </a:r>
             <a:r>
-              <a:rPr lang="en-US" sz="1600" dirty="0">
+              <a:rPr lang="en-US" sz="2000" dirty="0">
                 <a:ea typeface="+mn-ea"/>
               </a:rPr>
               <a:t>)</a:t>
@@ -17890,55 +17856,55 @@
           <a:p>
             <a:pPr lvl="1"/>
             <a:r>
-              <a:rPr lang="en-US" sz="1600" dirty="0">
+              <a:rPr lang="en-US" sz="2000" dirty="0">
                 <a:ea typeface="+mn-ea"/>
               </a:rPr>
               <a:t>“</a:t>
             </a:r>
             <a:r>
-              <a:rPr lang="en-US" sz="1600" dirty="0"/>
+              <a:rPr lang="en-US" sz="2000" dirty="0"/>
               <a:t>Most companies only analyze 12% of the data they have.” (</a:t>
             </a:r>
             <a:r>
-              <a:rPr lang="en-US" sz="1600" dirty="0" err="1">
+              <a:rPr lang="en-US" sz="2000" dirty="0" err="1">
                 <a:hlinkClick r:id="rId3"/>
               </a:rPr>
               <a:t>Attunity</a:t>
             </a:r>
             <a:r>
-              <a:rPr lang="en-US" sz="1600" dirty="0">
+              <a:rPr lang="en-US" sz="2000" dirty="0">
                 <a:hlinkClick r:id="rId3"/>
               </a:rPr>
               <a:t>, 2018</a:t>
             </a:r>
             <a:r>
-              <a:rPr lang="en-US" sz="1600" dirty="0"/>
+              <a:rPr lang="en-US" sz="2000" dirty="0"/>
               <a:t>)</a:t>
             </a:r>
           </a:p>
           <a:p>
             <a:pPr lvl="1"/>
             <a:r>
-              <a:rPr lang="en-US" sz="1600" dirty="0">
+              <a:rPr lang="en-US" sz="2000" dirty="0">
                 <a:ea typeface="+mn-ea"/>
               </a:rPr>
-              <a:t>“But here’s another number: $3.1 trillion, IBM’s estimate of the yearly cost of poor quality data, in the US alone, in 2016. While most people who deal in data every day know that bad data is costly, this figure stuns.” </a:t>
-            </a:r>
-            <a:r>
-              <a:rPr lang="en-US" sz="1600" dirty="0"/>
+              <a:t>“$3.1 trillion, IBM’s estimate of the yearly cost of poor quality data, in the US alone, in 2016. While most people who deal in data every day know that bad data is costly, this figure stuns.” </a:t>
+            </a:r>
+            <a:r>
+              <a:rPr lang="en-US" sz="2000" dirty="0"/>
               <a:t>(</a:t>
             </a:r>
             <a:r>
-              <a:rPr lang="en-US" sz="1600" dirty="0">
+              <a:rPr lang="en-US" sz="2000" dirty="0">
                 <a:hlinkClick r:id="rId6"/>
               </a:rPr>
               <a:t>Harvard Business Review, 2016</a:t>
             </a:r>
             <a:r>
-              <a:rPr lang="en-US" sz="1600" dirty="0"/>
+              <a:rPr lang="en-US" sz="2000" dirty="0"/>
               <a:t>)</a:t>
             </a:r>
-            <a:endParaRPr lang="en-US" sz="1600" dirty="0">
+            <a:endParaRPr lang="en-US" sz="2000" dirty="0">
               <a:ea typeface="+mn-ea"/>
             </a:endParaRPr>
           </a:p>
@@ -18340,7 +18306,7 @@
                                         <p:tgtEl>
                                           <p:spTgt spid="2">
                                             <p:txEl>
-                                              <p:pRg st="5" end="5"/>
+                                              <p:pRg st="6" end="6"/>
                                             </p:txEl>
                                           </p:spTgt>
                                         </p:tgtEl>
@@ -18358,7 +18324,7 @@
                                         <p:tgtEl>
                                           <p:spTgt spid="2">
                                             <p:txEl>
-                                              <p:pRg st="5" end="5"/>
+                                              <p:pRg st="6" end="6"/>
                                             </p:txEl>
                                           </p:spTgt>
                                         </p:tgtEl>
@@ -18481,67 +18447,6 @@
                                           <p:spTgt spid="2">
                                             <p:txEl>
                                               <p:pRg st="8" end="8"/>
-                                            </p:txEl>
-                                          </p:spTgt>
-                                        </p:tgtEl>
-                                      </p:cBhvr>
-                                    </p:animEffect>
-                                  </p:childTnLst>
-                                </p:cTn>
-                              </p:par>
-                            </p:childTnLst>
-                          </p:cTn>
-                        </p:par>
-                      </p:childTnLst>
-                    </p:cTn>
-                  </p:par>
-                  <p:par>
-                    <p:cTn id="43" fill="hold">
-                      <p:stCondLst>
-                        <p:cond delay="indefinite"/>
-                      </p:stCondLst>
-                      <p:childTnLst>
-                        <p:par>
-                          <p:cTn id="44" fill="hold">
-                            <p:stCondLst>
-                              <p:cond delay="0"/>
-                            </p:stCondLst>
-                            <p:childTnLst>
-                              <p:par>
-                                <p:cTn id="45" presetID="10" presetClass="entr" presetSubtype="0" fill="hold" grpId="0" nodeType="clickEffect">
-                                  <p:stCondLst>
-                                    <p:cond delay="0"/>
-                                  </p:stCondLst>
-                                  <p:childTnLst>
-                                    <p:set>
-                                      <p:cBhvr>
-                                        <p:cTn id="46" dur="1" fill="hold">
-                                          <p:stCondLst>
-                                            <p:cond delay="0"/>
-                                          </p:stCondLst>
-                                        </p:cTn>
-                                        <p:tgtEl>
-                                          <p:spTgt spid="2">
-                                            <p:txEl>
-                                              <p:pRg st="9" end="9"/>
-                                            </p:txEl>
-                                          </p:spTgt>
-                                        </p:tgtEl>
-                                        <p:attrNameLst>
-                                          <p:attrName>style.visibility</p:attrName>
-                                        </p:attrNameLst>
-                                      </p:cBhvr>
-                                      <p:to>
-                                        <p:strVal val="visible"/>
-                                      </p:to>
-                                    </p:set>
-                                    <p:animEffect transition="in" filter="fade">
-                                      <p:cBhvr>
-                                        <p:cTn id="47" dur="500"/>
-                                        <p:tgtEl>
-                                          <p:spTgt spid="2">
-                                            <p:txEl>
-                                              <p:pRg st="9" end="9"/>
                                             </p:txEl>
                                           </p:spTgt>
                                         </p:tgtEl>
@@ -26420,13 +26325,13 @@
   <p:clrMapOvr>
     <a:masterClrMapping/>
   </p:clrMapOvr>
-  <mc:AlternateContent xmlns:mc="http://schemas.openxmlformats.org/markup-compatibility/2006">
-    <mc:Choice xmlns:p15="http://schemas.microsoft.com/office/powerpoint/2012/main" Requires="p15">
+  <mc:AlternateContent xmlns:mc="http://schemas.openxmlformats.org/markup-compatibility/2006" xmlns:p15="http://schemas.microsoft.com/office/powerpoint/2012/main">
+    <mc:Choice Requires="p15">
       <p:transition xmlns:p14="http://schemas.microsoft.com/office/powerpoint/2010/main" spd="slow" p14:dur="2000">
         <p15:prstTrans prst="fallOver"/>
       </p:transition>
     </mc:Choice>
-    <mc:Fallback>
+    <mc:Fallback xmlns="">
       <p:transition spd="slow">
         <p:fade/>
       </p:transition>
